--- a/doc/TLV_visualize_rules.pptx
+++ b/doc/TLV_visualize_rules.pptx
@@ -300,7 +300,7 @@
               <a:pPr>
                 <a:defRPr/>
               </a:pPr>
-              <a:t>2012/2/21</a:t>
+              <a:t>2012/3/23</a:t>
             </a:fld>
             <a:endParaRPr lang="ja-JP" altLang="en-US"/>
           </a:p>
@@ -5945,7 +5945,7 @@
           <a:graphicData uri="http://schemas.openxmlformats.org/presentationml/2006/ole">
             <mc:AlternateContent xmlns:mc="http://schemas.openxmlformats.org/markup-compatibility/2006">
               <mc:Choice xmlns:v="urn:schemas-microsoft-com:vml" Requires="v">
-                <p:oleObj spid="_x0000_s121864" name="Image" r:id="rId3" imgW="12190476" imgH="431594" progId="">
+                <p:oleObj spid="_x0000_s121865" name="Image" r:id="rId3" imgW="12190476" imgH="431594" progId="">
                   <p:embed/>
                 </p:oleObj>
               </mc:Choice>
@@ -6251,7 +6251,7 @@
               <a:pPr>
                 <a:defRPr/>
               </a:pPr>
-              <a:t>2012/2/21</a:t>
+              <a:t>2012/3/23</a:t>
             </a:fld>
             <a:endParaRPr lang="en-US" altLang="ja-JP"/>
           </a:p>
@@ -8722,7 +8722,7 @@
           <a:graphicData uri="http://schemas.openxmlformats.org/presentationml/2006/ole">
             <mc:AlternateContent xmlns:mc="http://schemas.openxmlformats.org/markup-compatibility/2006">
               <mc:Choice xmlns:v="urn:schemas-microsoft-com:vml" Requires="v">
-                <p:oleObj spid="_x0000_s1039" name="Image" r:id="rId14" imgW="12190476" imgH="431594" progId="">
+                <p:oleObj spid="_x0000_s1040" name="Image" r:id="rId14" imgW="12190476" imgH="431594" progId="">
                   <p:embed/>
                 </p:oleObj>
               </mc:Choice>
@@ -9647,7 +9647,6 @@
               <a:rPr lang="ja-JP" altLang="en-US" dirty="0" smtClean="0"/>
               <a:t>名古屋大学</a:t>
             </a:r>
-            <a:endParaRPr lang="ja-JP" altLang="en-US" dirty="0" smtClean="0"/>
           </a:p>
         </p:txBody>
       </p:sp>
@@ -36767,30 +36766,30 @@
           <a:p>
             <a:pPr eaLnBrk="1" hangingPunct="1"/>
             <a:r>
-              <a:rPr lang="ja-JP" altLang="en-US" smtClean="0">
+              <a:rPr lang="ja-JP" altLang="en-US" dirty="0" smtClean="0">
                 <a:latin typeface="ＭＳ ゴシック" pitchFamily="49" charset="-128"/>
               </a:rPr>
               <a:t>希望出力図形</a:t>
             </a:r>
-            <a:endParaRPr lang="en-US" altLang="ja-JP" smtClean="0">
+            <a:endParaRPr lang="en-US" altLang="ja-JP" dirty="0" smtClean="0">
               <a:latin typeface="ＭＳ ゴシック" pitchFamily="49" charset="-128"/>
             </a:endParaRPr>
           </a:p>
           <a:p>
             <a:pPr eaLnBrk="1" hangingPunct="1"/>
-            <a:endParaRPr lang="en-US" altLang="ja-JP" smtClean="0">
+            <a:endParaRPr lang="en-US" altLang="ja-JP" dirty="0" smtClean="0">
               <a:latin typeface="ＭＳ ゴシック" pitchFamily="49" charset="-128"/>
             </a:endParaRPr>
           </a:p>
           <a:p>
             <a:pPr eaLnBrk="1" hangingPunct="1"/>
-            <a:endParaRPr lang="en-US" altLang="ja-JP" smtClean="0">
+            <a:endParaRPr lang="en-US" altLang="ja-JP" dirty="0" smtClean="0">
               <a:latin typeface="ＭＳ ゴシック" pitchFamily="49" charset="-128"/>
             </a:endParaRPr>
           </a:p>
           <a:p>
             <a:pPr eaLnBrk="1" hangingPunct="1"/>
-            <a:endParaRPr lang="en-US" altLang="ja-JP" smtClean="0">
+            <a:endParaRPr lang="en-US" altLang="ja-JP" dirty="0" smtClean="0">
               <a:latin typeface="ＭＳ ゴシック" pitchFamily="49" charset="-128"/>
             </a:endParaRPr>
           </a:p>
@@ -36799,7 +36798,7 @@
               <a:buFont typeface="Wingdings" pitchFamily="2" charset="2"/>
               <a:buNone/>
             </a:pPr>
-            <a:endParaRPr lang="en-US" altLang="ja-JP" smtClean="0">
+            <a:endParaRPr lang="en-US" altLang="ja-JP" dirty="0" smtClean="0">
               <a:latin typeface="ＭＳ ゴシック" pitchFamily="49" charset="-128"/>
             </a:endParaRPr>
           </a:p>
@@ -36809,51 +36808,63 @@
               <a:rPr lang="ja-JP" altLang="en-US" smtClean="0">
                 <a:latin typeface="ＭＳ ゴシック" pitchFamily="49" charset="-128"/>
               </a:rPr>
-              <a:t>上記のような図形を出力するためには，以下のような周期ハンドラのトレースログが必要される．</a:t>
-            </a:r>
-            <a:endParaRPr lang="en-US" altLang="ja-JP" smtClean="0">
+              <a:t>上記のような図形を出力するためには，以下のような周期ハンドラのトレースログが</a:t>
+            </a:r>
+            <a:r>
+              <a:rPr lang="ja-JP" altLang="en-US" smtClean="0">
+                <a:latin typeface="ＭＳ ゴシック" pitchFamily="49" charset="-128"/>
+              </a:rPr>
+              <a:t>必要とされる</a:t>
+            </a:r>
+            <a:r>
+              <a:rPr lang="ja-JP" altLang="en-US" smtClean="0">
+                <a:latin typeface="ＭＳ ゴシック" pitchFamily="49" charset="-128"/>
+              </a:rPr>
+              <a:t>．</a:t>
+            </a:r>
+            <a:endParaRPr lang="en-US" altLang="ja-JP" dirty="0" smtClean="0">
               <a:latin typeface="ＭＳ ゴシック" pitchFamily="49" charset="-128"/>
             </a:endParaRPr>
           </a:p>
           <a:p>
             <a:pPr eaLnBrk="1" hangingPunct="1"/>
-            <a:endParaRPr lang="en-US" altLang="ja-JP" smtClean="0">
+            <a:endParaRPr lang="en-US" altLang="ja-JP" dirty="0" smtClean="0">
               <a:latin typeface="ＭＳ ゴシック" pitchFamily="49" charset="-128"/>
             </a:endParaRPr>
           </a:p>
           <a:p>
             <a:pPr eaLnBrk="1" hangingPunct="1"/>
-            <a:endParaRPr lang="en-US" altLang="ja-JP" smtClean="0">
+            <a:endParaRPr lang="en-US" altLang="ja-JP" dirty="0" smtClean="0">
               <a:latin typeface="ＭＳ ゴシック" pitchFamily="49" charset="-128"/>
             </a:endParaRPr>
           </a:p>
           <a:p>
             <a:pPr eaLnBrk="1" hangingPunct="1"/>
-            <a:endParaRPr lang="en-US" altLang="ja-JP" smtClean="0">
+            <a:endParaRPr lang="en-US" altLang="ja-JP" dirty="0" smtClean="0">
               <a:latin typeface="ＭＳ ゴシック" pitchFamily="49" charset="-128"/>
             </a:endParaRPr>
           </a:p>
           <a:p>
             <a:pPr eaLnBrk="1" hangingPunct="1"/>
-            <a:endParaRPr lang="en-US" altLang="ja-JP" smtClean="0">
+            <a:endParaRPr lang="en-US" altLang="ja-JP" dirty="0" smtClean="0">
               <a:latin typeface="ＭＳ ゴシック" pitchFamily="49" charset="-128"/>
             </a:endParaRPr>
           </a:p>
           <a:p>
             <a:pPr eaLnBrk="1" hangingPunct="1"/>
-            <a:endParaRPr lang="en-US" altLang="ja-JP" smtClean="0">
+            <a:endParaRPr lang="en-US" altLang="ja-JP" dirty="0" smtClean="0">
               <a:latin typeface="ＭＳ ゴシック" pitchFamily="49" charset="-128"/>
             </a:endParaRPr>
           </a:p>
           <a:p>
             <a:pPr eaLnBrk="1" hangingPunct="1"/>
-            <a:endParaRPr lang="en-US" altLang="ja-JP" smtClean="0">
+            <a:endParaRPr lang="en-US" altLang="ja-JP" dirty="0" smtClean="0">
               <a:latin typeface="ＭＳ ゴシック" pitchFamily="49" charset="-128"/>
             </a:endParaRPr>
           </a:p>
           <a:p>
             <a:pPr eaLnBrk="1" hangingPunct="1"/>
-            <a:endParaRPr lang="en-US" altLang="ja-JP" smtClean="0">
+            <a:endParaRPr lang="en-US" altLang="ja-JP" dirty="0" smtClean="0">
               <a:latin typeface="ＭＳ ゴシック" pitchFamily="49" charset="-128"/>
             </a:endParaRPr>
           </a:p>
@@ -36862,13 +36873,13 @@
               <a:buFont typeface="Wingdings" pitchFamily="2" charset="2"/>
               <a:buNone/>
             </a:pPr>
-            <a:endParaRPr lang="en-US" altLang="ja-JP" smtClean="0">
+            <a:endParaRPr lang="en-US" altLang="ja-JP" dirty="0" smtClean="0">
               <a:latin typeface="ＭＳ ゴシック" pitchFamily="49" charset="-128"/>
             </a:endParaRPr>
           </a:p>
           <a:p>
             <a:pPr eaLnBrk="1" hangingPunct="1"/>
-            <a:endParaRPr lang="en-US" altLang="ja-JP" smtClean="0">
+            <a:endParaRPr lang="en-US" altLang="ja-JP" dirty="0" smtClean="0">
               <a:latin typeface="ＭＳ ゴシック" pitchFamily="49" charset="-128"/>
             </a:endParaRPr>
           </a:p>
